--- a/figs/SFig_Training_RealNVP.pptx
+++ b/figs/SFig_Training_RealNVP.pptx
@@ -2,12 +2,12 @@
 <file path=ppt/presentation.xml><?xml version="1.0" encoding="utf-8"?>
 <p:presentation xmlns:a="http://schemas.openxmlformats.org/drawingml/2006/main" xmlns:r="http://schemas.openxmlformats.org/officeDocument/2006/relationships" xmlns:p="http://schemas.openxmlformats.org/presentationml/2006/main" saveSubsetFonts="1">
   <p:sldMasterIdLst>
-    <p:sldMasterId id="2147483696" r:id="rId1"/>
+    <p:sldMasterId id="2147483732" r:id="rId1"/>
   </p:sldMasterIdLst>
   <p:sldIdLst>
     <p:sldId id="256" r:id="rId2"/>
   </p:sldIdLst>
-  <p:sldSz cx="7559675" cy="11160125"/>
+  <p:sldSz cx="7559675" cy="7559675"/>
   <p:notesSz cx="6858000" cy="9144000"/>
   <p:defaultTextStyle>
     <a:defPPr>
@@ -141,8 +141,8 @@
         </p:nvSpPr>
         <p:spPr>
           <a:xfrm>
-            <a:off x="566976" y="1826438"/>
-            <a:ext cx="6425724" cy="3885377"/>
+            <a:off x="566976" y="1237197"/>
+            <a:ext cx="6425724" cy="2631887"/>
           </a:xfrm>
         </p:spPr>
         <p:txBody>
@@ -173,8 +173,8 @@
         </p:nvSpPr>
         <p:spPr>
           <a:xfrm>
-            <a:off x="944960" y="5861650"/>
-            <a:ext cx="5669756" cy="2694446"/>
+            <a:off x="944960" y="3970580"/>
+            <a:ext cx="5669756" cy="1825171"/>
           </a:xfrm>
         </p:spPr>
         <p:txBody>
@@ -243,7 +243,7 @@
           <a:p>
             <a:fld id="{5771F580-0499-3B4B-87CF-4B8A4B8895CC}" type="datetimeFigureOut">
               <a:rPr lang="de-DE" smtClean="0"/>
-              <a:t>13.10.18</a:t>
+              <a:t>13.11.18</a:t>
             </a:fld>
             <a:endParaRPr lang="de-DE"/>
           </a:p>
@@ -294,7 +294,7 @@
     </p:spTree>
     <p:extLst>
       <p:ext uri="{BB962C8B-B14F-4D97-AF65-F5344CB8AC3E}">
-        <p14:creationId xmlns:p14="http://schemas.microsoft.com/office/powerpoint/2010/main" val="1570599228"/>
+        <p14:creationId xmlns:p14="http://schemas.microsoft.com/office/powerpoint/2010/main" val="3310085568"/>
       </p:ext>
     </p:extLst>
   </p:cSld>
@@ -413,7 +413,7 @@
           <a:p>
             <a:fld id="{5771F580-0499-3B4B-87CF-4B8A4B8895CC}" type="datetimeFigureOut">
               <a:rPr lang="de-DE" smtClean="0"/>
-              <a:t>13.10.18</a:t>
+              <a:t>13.11.18</a:t>
             </a:fld>
             <a:endParaRPr lang="de-DE"/>
           </a:p>
@@ -464,7 +464,7 @@
     </p:spTree>
     <p:extLst>
       <p:ext uri="{BB962C8B-B14F-4D97-AF65-F5344CB8AC3E}">
-        <p14:creationId xmlns:p14="http://schemas.microsoft.com/office/powerpoint/2010/main" val="339827620"/>
+        <p14:creationId xmlns:p14="http://schemas.microsoft.com/office/powerpoint/2010/main" val="591995924"/>
       </p:ext>
     </p:extLst>
   </p:cSld>
@@ -503,8 +503,8 @@
         </p:nvSpPr>
         <p:spPr>
           <a:xfrm>
-            <a:off x="5409893" y="594173"/>
-            <a:ext cx="1630055" cy="9457690"/>
+            <a:off x="5409893" y="402483"/>
+            <a:ext cx="1630055" cy="6406475"/>
           </a:xfrm>
         </p:spPr>
         <p:txBody>
@@ -531,8 +531,8 @@
         </p:nvSpPr>
         <p:spPr>
           <a:xfrm>
-            <a:off x="519728" y="594173"/>
-            <a:ext cx="4795669" cy="9457690"/>
+            <a:off x="519728" y="402483"/>
+            <a:ext cx="4795669" cy="6406475"/>
           </a:xfrm>
         </p:spPr>
         <p:txBody>
@@ -593,7 +593,7 @@
           <a:p>
             <a:fld id="{5771F580-0499-3B4B-87CF-4B8A4B8895CC}" type="datetimeFigureOut">
               <a:rPr lang="de-DE" smtClean="0"/>
-              <a:t>13.10.18</a:t>
+              <a:t>13.11.18</a:t>
             </a:fld>
             <a:endParaRPr lang="de-DE"/>
           </a:p>
@@ -644,7 +644,7 @@
     </p:spTree>
     <p:extLst>
       <p:ext uri="{BB962C8B-B14F-4D97-AF65-F5344CB8AC3E}">
-        <p14:creationId xmlns:p14="http://schemas.microsoft.com/office/powerpoint/2010/main" val="278730317"/>
+        <p14:creationId xmlns:p14="http://schemas.microsoft.com/office/powerpoint/2010/main" val="4004845224"/>
       </p:ext>
     </p:extLst>
   </p:cSld>
@@ -763,7 +763,7 @@
           <a:p>
             <a:fld id="{5771F580-0499-3B4B-87CF-4B8A4B8895CC}" type="datetimeFigureOut">
               <a:rPr lang="de-DE" smtClean="0"/>
-              <a:t>13.10.18</a:t>
+              <a:t>13.11.18</a:t>
             </a:fld>
             <a:endParaRPr lang="de-DE"/>
           </a:p>
@@ -814,7 +814,7 @@
     </p:spTree>
     <p:extLst>
       <p:ext uri="{BB962C8B-B14F-4D97-AF65-F5344CB8AC3E}">
-        <p14:creationId xmlns:p14="http://schemas.microsoft.com/office/powerpoint/2010/main" val="4024284799"/>
+        <p14:creationId xmlns:p14="http://schemas.microsoft.com/office/powerpoint/2010/main" val="1095624873"/>
       </p:ext>
     </p:extLst>
   </p:cSld>
@@ -853,8 +853,8 @@
         </p:nvSpPr>
         <p:spPr>
           <a:xfrm>
-            <a:off x="515791" y="2782285"/>
-            <a:ext cx="6520220" cy="4642301"/>
+            <a:off x="515791" y="1884671"/>
+            <a:ext cx="6520220" cy="3144614"/>
           </a:xfrm>
         </p:spPr>
         <p:txBody>
@@ -885,8 +885,8 @@
         </p:nvSpPr>
         <p:spPr>
           <a:xfrm>
-            <a:off x="515791" y="7468503"/>
-            <a:ext cx="6520220" cy="2441277"/>
+            <a:off x="515791" y="5059035"/>
+            <a:ext cx="6520220" cy="1653678"/>
           </a:xfrm>
         </p:spPr>
         <p:txBody>
@@ -1007,7 +1007,7 @@
           <a:p>
             <a:fld id="{5771F580-0499-3B4B-87CF-4B8A4B8895CC}" type="datetimeFigureOut">
               <a:rPr lang="de-DE" smtClean="0"/>
-              <a:t>13.10.18</a:t>
+              <a:t>13.11.18</a:t>
             </a:fld>
             <a:endParaRPr lang="de-DE"/>
           </a:p>
@@ -1058,7 +1058,7 @@
     </p:spTree>
     <p:extLst>
       <p:ext uri="{BB962C8B-B14F-4D97-AF65-F5344CB8AC3E}">
-        <p14:creationId xmlns:p14="http://schemas.microsoft.com/office/powerpoint/2010/main" val="29329983"/>
+        <p14:creationId xmlns:p14="http://schemas.microsoft.com/office/powerpoint/2010/main" val="2652024468"/>
       </p:ext>
     </p:extLst>
   </p:cSld>
@@ -1120,8 +1120,8 @@
         </p:nvSpPr>
         <p:spPr>
           <a:xfrm>
-            <a:off x="519728" y="2970867"/>
-            <a:ext cx="3212862" cy="7080997"/>
+            <a:off x="519728" y="2012414"/>
+            <a:ext cx="3212862" cy="4796544"/>
           </a:xfrm>
         </p:spPr>
         <p:txBody>
@@ -1177,8 +1177,8 @@
         </p:nvSpPr>
         <p:spPr>
           <a:xfrm>
-            <a:off x="3827085" y="2970867"/>
-            <a:ext cx="3212862" cy="7080997"/>
+            <a:off x="3827085" y="2012414"/>
+            <a:ext cx="3212862" cy="4796544"/>
           </a:xfrm>
         </p:spPr>
         <p:txBody>
@@ -1239,7 +1239,7 @@
           <a:p>
             <a:fld id="{5771F580-0499-3B4B-87CF-4B8A4B8895CC}" type="datetimeFigureOut">
               <a:rPr lang="de-DE" smtClean="0"/>
-              <a:t>13.10.18</a:t>
+              <a:t>13.11.18</a:t>
             </a:fld>
             <a:endParaRPr lang="de-DE"/>
           </a:p>
@@ -1290,7 +1290,7 @@
     </p:spTree>
     <p:extLst>
       <p:ext uri="{BB962C8B-B14F-4D97-AF65-F5344CB8AC3E}">
-        <p14:creationId xmlns:p14="http://schemas.microsoft.com/office/powerpoint/2010/main" val="2122747194"/>
+        <p14:creationId xmlns:p14="http://schemas.microsoft.com/office/powerpoint/2010/main" val="2088237941"/>
       </p:ext>
     </p:extLst>
   </p:cSld>
@@ -1329,8 +1329,8 @@
         </p:nvSpPr>
         <p:spPr>
           <a:xfrm>
-            <a:off x="520712" y="594176"/>
-            <a:ext cx="6520220" cy="2157108"/>
+            <a:off x="520712" y="402484"/>
+            <a:ext cx="6520220" cy="1461188"/>
           </a:xfrm>
         </p:spPr>
         <p:txBody>
@@ -1357,8 +1357,8 @@
         </p:nvSpPr>
         <p:spPr>
           <a:xfrm>
-            <a:off x="520713" y="2735782"/>
-            <a:ext cx="3198096" cy="1340764"/>
+            <a:off x="520713" y="1853171"/>
+            <a:ext cx="3198096" cy="908210"/>
           </a:xfrm>
         </p:spPr>
         <p:txBody>
@@ -1422,8 +1422,8 @@
         </p:nvSpPr>
         <p:spPr>
           <a:xfrm>
-            <a:off x="520713" y="4076545"/>
-            <a:ext cx="3198096" cy="5995985"/>
+            <a:off x="520713" y="2761381"/>
+            <a:ext cx="3198096" cy="4061576"/>
           </a:xfrm>
         </p:spPr>
         <p:txBody>
@@ -1479,8 +1479,8 @@
         </p:nvSpPr>
         <p:spPr>
           <a:xfrm>
-            <a:off x="3827086" y="2735782"/>
-            <a:ext cx="3213847" cy="1340764"/>
+            <a:off x="3827086" y="1853171"/>
+            <a:ext cx="3213847" cy="908210"/>
           </a:xfrm>
         </p:spPr>
         <p:txBody>
@@ -1544,8 +1544,8 @@
         </p:nvSpPr>
         <p:spPr>
           <a:xfrm>
-            <a:off x="3827086" y="4076545"/>
-            <a:ext cx="3213847" cy="5995985"/>
+            <a:off x="3827086" y="2761381"/>
+            <a:ext cx="3213847" cy="4061576"/>
           </a:xfrm>
         </p:spPr>
         <p:txBody>
@@ -1606,7 +1606,7 @@
           <a:p>
             <a:fld id="{5771F580-0499-3B4B-87CF-4B8A4B8895CC}" type="datetimeFigureOut">
               <a:rPr lang="de-DE" smtClean="0"/>
-              <a:t>13.10.18</a:t>
+              <a:t>13.11.18</a:t>
             </a:fld>
             <a:endParaRPr lang="de-DE"/>
           </a:p>
@@ -1657,7 +1657,7 @@
     </p:spTree>
     <p:extLst>
       <p:ext uri="{BB962C8B-B14F-4D97-AF65-F5344CB8AC3E}">
-        <p14:creationId xmlns:p14="http://schemas.microsoft.com/office/powerpoint/2010/main" val="2659948770"/>
+        <p14:creationId xmlns:p14="http://schemas.microsoft.com/office/powerpoint/2010/main" val="2235824042"/>
       </p:ext>
     </p:extLst>
   </p:cSld>
@@ -1724,7 +1724,7 @@
           <a:p>
             <a:fld id="{5771F580-0499-3B4B-87CF-4B8A4B8895CC}" type="datetimeFigureOut">
               <a:rPr lang="de-DE" smtClean="0"/>
-              <a:t>13.10.18</a:t>
+              <a:t>13.11.18</a:t>
             </a:fld>
             <a:endParaRPr lang="de-DE"/>
           </a:p>
@@ -1775,7 +1775,7 @@
     </p:spTree>
     <p:extLst>
       <p:ext uri="{BB962C8B-B14F-4D97-AF65-F5344CB8AC3E}">
-        <p14:creationId xmlns:p14="http://schemas.microsoft.com/office/powerpoint/2010/main" val="3893010451"/>
+        <p14:creationId xmlns:p14="http://schemas.microsoft.com/office/powerpoint/2010/main" val="1008457831"/>
       </p:ext>
     </p:extLst>
   </p:cSld>
@@ -1819,7 +1819,7 @@
           <a:p>
             <a:fld id="{5771F580-0499-3B4B-87CF-4B8A4B8895CC}" type="datetimeFigureOut">
               <a:rPr lang="de-DE" smtClean="0"/>
-              <a:t>13.10.18</a:t>
+              <a:t>13.11.18</a:t>
             </a:fld>
             <a:endParaRPr lang="de-DE"/>
           </a:p>
@@ -1870,7 +1870,7 @@
     </p:spTree>
     <p:extLst>
       <p:ext uri="{BB962C8B-B14F-4D97-AF65-F5344CB8AC3E}">
-        <p14:creationId xmlns:p14="http://schemas.microsoft.com/office/powerpoint/2010/main" val="44957174"/>
+        <p14:creationId xmlns:p14="http://schemas.microsoft.com/office/powerpoint/2010/main" val="3251867054"/>
       </p:ext>
     </p:extLst>
   </p:cSld>
@@ -1909,8 +1909,8 @@
         </p:nvSpPr>
         <p:spPr>
           <a:xfrm>
-            <a:off x="520712" y="744008"/>
-            <a:ext cx="2438192" cy="2604029"/>
+            <a:off x="520712" y="503978"/>
+            <a:ext cx="2438192" cy="1763924"/>
           </a:xfrm>
         </p:spPr>
         <p:txBody>
@@ -1941,8 +1941,8 @@
         </p:nvSpPr>
         <p:spPr>
           <a:xfrm>
-            <a:off x="3213847" y="1606854"/>
-            <a:ext cx="3827085" cy="7930922"/>
+            <a:off x="3213847" y="1088455"/>
+            <a:ext cx="3827085" cy="5372269"/>
           </a:xfrm>
         </p:spPr>
         <p:txBody>
@@ -2026,8 +2026,8 @@
         </p:nvSpPr>
         <p:spPr>
           <a:xfrm>
-            <a:off x="520712" y="3348037"/>
-            <a:ext cx="2438192" cy="6202654"/>
+            <a:off x="520712" y="2267902"/>
+            <a:ext cx="2438192" cy="4201570"/>
           </a:xfrm>
         </p:spPr>
         <p:txBody>
@@ -2096,7 +2096,7 @@
           <a:p>
             <a:fld id="{5771F580-0499-3B4B-87CF-4B8A4B8895CC}" type="datetimeFigureOut">
               <a:rPr lang="de-DE" smtClean="0"/>
-              <a:t>13.10.18</a:t>
+              <a:t>13.11.18</a:t>
             </a:fld>
             <a:endParaRPr lang="de-DE"/>
           </a:p>
@@ -2147,7 +2147,7 @@
     </p:spTree>
     <p:extLst>
       <p:ext uri="{BB962C8B-B14F-4D97-AF65-F5344CB8AC3E}">
-        <p14:creationId xmlns:p14="http://schemas.microsoft.com/office/powerpoint/2010/main" val="2920098495"/>
+        <p14:creationId xmlns:p14="http://schemas.microsoft.com/office/powerpoint/2010/main" val="641040710"/>
       </p:ext>
     </p:extLst>
   </p:cSld>
@@ -2186,8 +2186,8 @@
         </p:nvSpPr>
         <p:spPr>
           <a:xfrm>
-            <a:off x="520712" y="744008"/>
-            <a:ext cx="2438192" cy="2604029"/>
+            <a:off x="520712" y="503978"/>
+            <a:ext cx="2438192" cy="1763924"/>
           </a:xfrm>
         </p:spPr>
         <p:txBody>
@@ -2218,8 +2218,8 @@
         </p:nvSpPr>
         <p:spPr>
           <a:xfrm>
-            <a:off x="3213847" y="1606854"/>
-            <a:ext cx="3827085" cy="7930922"/>
+            <a:off x="3213847" y="1088455"/>
+            <a:ext cx="3827085" cy="5372269"/>
           </a:xfrm>
         </p:spPr>
         <p:txBody>
@@ -2283,8 +2283,8 @@
         </p:nvSpPr>
         <p:spPr>
           <a:xfrm>
-            <a:off x="520712" y="3348037"/>
-            <a:ext cx="2438192" cy="6202654"/>
+            <a:off x="520712" y="2267902"/>
+            <a:ext cx="2438192" cy="4201570"/>
           </a:xfrm>
         </p:spPr>
         <p:txBody>
@@ -2353,7 +2353,7 @@
           <a:p>
             <a:fld id="{5771F580-0499-3B4B-87CF-4B8A4B8895CC}" type="datetimeFigureOut">
               <a:rPr lang="de-DE" smtClean="0"/>
-              <a:t>13.10.18</a:t>
+              <a:t>13.11.18</a:t>
             </a:fld>
             <a:endParaRPr lang="de-DE"/>
           </a:p>
@@ -2404,7 +2404,7 @@
     </p:spTree>
     <p:extLst>
       <p:ext uri="{BB962C8B-B14F-4D97-AF65-F5344CB8AC3E}">
-        <p14:creationId xmlns:p14="http://schemas.microsoft.com/office/powerpoint/2010/main" val="2390229436"/>
+        <p14:creationId xmlns:p14="http://schemas.microsoft.com/office/powerpoint/2010/main" val="546136700"/>
       </p:ext>
     </p:extLst>
   </p:cSld>
@@ -2448,8 +2448,8 @@
         </p:nvSpPr>
         <p:spPr>
           <a:xfrm>
-            <a:off x="519728" y="594176"/>
-            <a:ext cx="6520220" cy="2157108"/>
+            <a:off x="519728" y="402484"/>
+            <a:ext cx="6520220" cy="1461188"/>
           </a:xfrm>
           <a:prstGeom prst="rect">
             <a:avLst/>
@@ -2481,8 +2481,8 @@
         </p:nvSpPr>
         <p:spPr>
           <a:xfrm>
-            <a:off x="519728" y="2970867"/>
-            <a:ext cx="6520220" cy="7080997"/>
+            <a:off x="519728" y="2012414"/>
+            <a:ext cx="6520220" cy="4796544"/>
           </a:xfrm>
           <a:prstGeom prst="rect">
             <a:avLst/>
@@ -2543,8 +2543,8 @@
         </p:nvSpPr>
         <p:spPr>
           <a:xfrm>
-            <a:off x="519728" y="10343785"/>
-            <a:ext cx="1700927" cy="594173"/>
+            <a:off x="519728" y="7006700"/>
+            <a:ext cx="1700927" cy="402483"/>
           </a:xfrm>
           <a:prstGeom prst="rect">
             <a:avLst/>
@@ -2566,7 +2566,7 @@
           <a:p>
             <a:fld id="{5771F580-0499-3B4B-87CF-4B8A4B8895CC}" type="datetimeFigureOut">
               <a:rPr lang="de-DE" smtClean="0"/>
-              <a:t>13.10.18</a:t>
+              <a:t>13.11.18</a:t>
             </a:fld>
             <a:endParaRPr lang="de-DE"/>
           </a:p>
@@ -2584,8 +2584,8 @@
         </p:nvSpPr>
         <p:spPr>
           <a:xfrm>
-            <a:off x="2504143" y="10343785"/>
-            <a:ext cx="2551390" cy="594173"/>
+            <a:off x="2504143" y="7006700"/>
+            <a:ext cx="2551390" cy="402483"/>
           </a:xfrm>
           <a:prstGeom prst="rect">
             <a:avLst/>
@@ -2621,8 +2621,8 @@
         </p:nvSpPr>
         <p:spPr>
           <a:xfrm>
-            <a:off x="5339020" y="10343785"/>
-            <a:ext cx="1700927" cy="594173"/>
+            <a:off x="5339020" y="7006700"/>
+            <a:ext cx="1700927" cy="402483"/>
           </a:xfrm>
           <a:prstGeom prst="rect">
             <a:avLst/>
@@ -2653,23 +2653,23 @@
     </p:spTree>
     <p:extLst>
       <p:ext uri="{BB962C8B-B14F-4D97-AF65-F5344CB8AC3E}">
-        <p14:creationId xmlns:p14="http://schemas.microsoft.com/office/powerpoint/2010/main" val="2551722474"/>
+        <p14:creationId xmlns:p14="http://schemas.microsoft.com/office/powerpoint/2010/main" val="2441716927"/>
       </p:ext>
     </p:extLst>
   </p:cSld>
   <p:clrMap bg1="lt1" tx1="dk1" bg2="lt2" tx2="dk2" accent1="accent1" accent2="accent2" accent3="accent3" accent4="accent4" accent5="accent5" accent6="accent6" hlink="hlink" folHlink="folHlink"/>
   <p:sldLayoutIdLst>
-    <p:sldLayoutId id="2147483697" r:id="rId1"/>
-    <p:sldLayoutId id="2147483698" r:id="rId2"/>
-    <p:sldLayoutId id="2147483699" r:id="rId3"/>
-    <p:sldLayoutId id="2147483700" r:id="rId4"/>
-    <p:sldLayoutId id="2147483701" r:id="rId5"/>
-    <p:sldLayoutId id="2147483702" r:id="rId6"/>
-    <p:sldLayoutId id="2147483703" r:id="rId7"/>
-    <p:sldLayoutId id="2147483704" r:id="rId8"/>
-    <p:sldLayoutId id="2147483705" r:id="rId9"/>
-    <p:sldLayoutId id="2147483706" r:id="rId10"/>
-    <p:sldLayoutId id="2147483707" r:id="rId11"/>
+    <p:sldLayoutId id="2147483733" r:id="rId1"/>
+    <p:sldLayoutId id="2147483734" r:id="rId2"/>
+    <p:sldLayoutId id="2147483735" r:id="rId3"/>
+    <p:sldLayoutId id="2147483736" r:id="rId4"/>
+    <p:sldLayoutId id="2147483737" r:id="rId5"/>
+    <p:sldLayoutId id="2147483738" r:id="rId6"/>
+    <p:sldLayoutId id="2147483739" r:id="rId7"/>
+    <p:sldLayoutId id="2147483740" r:id="rId8"/>
+    <p:sldLayoutId id="2147483741" r:id="rId9"/>
+    <p:sldLayoutId id="2147483742" r:id="rId10"/>
+    <p:sldLayoutId id="2147483743" r:id="rId11"/>
   </p:sldLayoutIdLst>
   <p:txStyles>
     <p:titleStyle>
@@ -2973,10 +2973,10 @@
       </p:grpSpPr>
       <p:pic>
         <p:nvPicPr>
-          <p:cNvPr id="73" name="Picture 72">
+          <p:cNvPr id="9" name="Picture 8">
             <a:extLst>
               <a:ext uri="{FF2B5EF4-FFF2-40B4-BE49-F238E27FC236}">
-                <a16:creationId xmlns:a16="http://schemas.microsoft.com/office/drawing/2014/main" id="{A1F41550-EA29-8740-AC10-546911FC1D78}"/>
+                <a16:creationId xmlns:a16="http://schemas.microsoft.com/office/drawing/2014/main" id="{D699B3CD-0237-8D40-AB12-58A5483B93F0}"/>
               </a:ext>
             </a:extLst>
           </p:cNvPr>
@@ -2986,97 +2986,33 @@
           <p:nvPr/>
         </p:nvPicPr>
         <p:blipFill>
-          <a:blip r:embed="rId2"/>
+          <a:blip r:embed="rId2">
+            <a:extLst>
+              <a:ext uri="{28A0092B-C50C-407E-A947-70E740481C1C}">
+                <a14:useLocalDpi xmlns:a14="http://schemas.microsoft.com/office/drawing/2010/main" val="0"/>
+              </a:ext>
+            </a:extLst>
+          </a:blip>
           <a:stretch>
             <a:fillRect/>
           </a:stretch>
         </p:blipFill>
         <p:spPr>
           <a:xfrm>
-            <a:off x="230074" y="9522712"/>
-            <a:ext cx="3482552" cy="1564317"/>
+            <a:off x="397158" y="5617429"/>
+            <a:ext cx="7162517" cy="1917584"/>
           </a:xfrm>
           <a:prstGeom prst="rect">
             <a:avLst/>
           </a:prstGeom>
         </p:spPr>
       </p:pic>
-      <p:sp>
-        <p:nvSpPr>
-          <p:cNvPr id="44" name="TextBox 43">
+      <p:pic>
+        <p:nvPicPr>
+          <p:cNvPr id="18" name="Picture 17">
             <a:extLst>
               <a:ext uri="{FF2B5EF4-FFF2-40B4-BE49-F238E27FC236}">
-                <a16:creationId xmlns:a16="http://schemas.microsoft.com/office/drawing/2014/main" id="{C7B590CA-AEC4-DC4F-ACAA-77C25B14B4DF}"/>
-              </a:ext>
-            </a:extLst>
-          </p:cNvPr>
-          <p:cNvSpPr txBox="1"/>
-          <p:nvPr/>
-        </p:nvSpPr>
-        <p:spPr>
-          <a:xfrm rot="16200000">
-            <a:off x="-37417" y="500488"/>
-            <a:ext cx="484428" cy="369332"/>
-          </a:xfrm>
-          <a:prstGeom prst="rect">
-            <a:avLst/>
-          </a:prstGeom>
-          <a:noFill/>
-        </p:spPr>
-        <p:txBody>
-          <a:bodyPr wrap="none" rtlCol="0">
-            <a:spAutoFit/>
-          </a:bodyPr>
-          <a:lstStyle/>
-          <a:p>
-            <a:r>
-              <a:rPr lang="de-DE" b="1" dirty="0"/>
-              <a:t>ML</a:t>
-            </a:r>
-          </a:p>
-        </p:txBody>
-      </p:sp>
-      <p:sp>
-        <p:nvSpPr>
-          <p:cNvPr id="45" name="TextBox 44">
-            <a:extLst>
-              <a:ext uri="{FF2B5EF4-FFF2-40B4-BE49-F238E27FC236}">
-                <a16:creationId xmlns:a16="http://schemas.microsoft.com/office/drawing/2014/main" id="{6479A859-D8A4-C84A-B05C-E17FC2178F6E}"/>
-              </a:ext>
-            </a:extLst>
-          </p:cNvPr>
-          <p:cNvSpPr txBox="1"/>
-          <p:nvPr/>
-        </p:nvSpPr>
-        <p:spPr>
-          <a:xfrm rot="16200000">
-            <a:off x="254" y="2001663"/>
-            <a:ext cx="409086" cy="369332"/>
-          </a:xfrm>
-          <a:prstGeom prst="rect">
-            <a:avLst/>
-          </a:prstGeom>
-          <a:noFill/>
-        </p:spPr>
-        <p:txBody>
-          <a:bodyPr wrap="none" rtlCol="0">
-            <a:spAutoFit/>
-          </a:bodyPr>
-          <a:lstStyle/>
-          <a:p>
-            <a:r>
-              <a:rPr lang="de-DE" b="1" dirty="0"/>
-              <a:t>KL</a:t>
-            </a:r>
-          </a:p>
-        </p:txBody>
-      </p:sp>
-      <p:pic>
-        <p:nvPicPr>
-          <p:cNvPr id="46" name="Picture 45">
-            <a:extLst>
-              <a:ext uri="{FF2B5EF4-FFF2-40B4-BE49-F238E27FC236}">
-                <a16:creationId xmlns:a16="http://schemas.microsoft.com/office/drawing/2014/main" id="{8898BB0D-EB46-424E-A77E-2E57D8C8FDF3}"/>
+                <a16:creationId xmlns:a16="http://schemas.microsoft.com/office/drawing/2014/main" id="{0C27520B-5D4E-1D4F-AC21-094087F67D4B}"/>
               </a:ext>
             </a:extLst>
           </p:cNvPr>
@@ -3086,15 +3022,21 @@
           <p:nvPr/>
         </p:nvPicPr>
         <p:blipFill>
-          <a:blip r:embed="rId3"/>
+          <a:blip r:embed="rId3">
+            <a:extLst>
+              <a:ext uri="{28A0092B-C50C-407E-A947-70E740481C1C}">
+                <a14:useLocalDpi xmlns:a14="http://schemas.microsoft.com/office/drawing/2010/main" val="0"/>
+              </a:ext>
+            </a:extLst>
+          </a:blip>
           <a:stretch>
             <a:fillRect/>
           </a:stretch>
         </p:blipFill>
         <p:spPr>
           <a:xfrm>
-            <a:off x="3687091" y="32387"/>
-            <a:ext cx="2160945" cy="1536803"/>
+            <a:off x="397158" y="3764458"/>
+            <a:ext cx="7162517" cy="1917584"/>
           </a:xfrm>
           <a:prstGeom prst="rect">
             <a:avLst/>
@@ -3103,10 +3045,10 @@
       </p:pic>
       <p:pic>
         <p:nvPicPr>
-          <p:cNvPr id="47" name="Picture 46">
+          <p:cNvPr id="17" name="Picture 16">
             <a:extLst>
               <a:ext uri="{FF2B5EF4-FFF2-40B4-BE49-F238E27FC236}">
-                <a16:creationId xmlns:a16="http://schemas.microsoft.com/office/drawing/2014/main" id="{3B83E470-E587-3A4A-A74A-1447E9793481}"/>
+                <a16:creationId xmlns:a16="http://schemas.microsoft.com/office/drawing/2014/main" id="{FD982CEB-CB43-B94A-BCD3-E29979959BAC}"/>
               </a:ext>
             </a:extLst>
           </p:cNvPr>
@@ -3116,27 +3058,173 @@
           <p:nvPr/>
         </p:nvPicPr>
         <p:blipFill>
-          <a:blip r:embed="rId4"/>
+          <a:blip r:embed="rId4">
+            <a:extLst>
+              <a:ext uri="{28A0092B-C50C-407E-A947-70E740481C1C}">
+                <a14:useLocalDpi xmlns:a14="http://schemas.microsoft.com/office/drawing/2010/main" val="0"/>
+              </a:ext>
+            </a:extLst>
+          </a:blip>
           <a:stretch>
             <a:fillRect/>
           </a:stretch>
         </p:blipFill>
         <p:spPr>
           <a:xfrm>
-            <a:off x="5801571" y="33927"/>
-            <a:ext cx="1678118" cy="1530915"/>
+            <a:off x="397158" y="1890918"/>
+            <a:ext cx="7162517" cy="1917584"/>
           </a:xfrm>
           <a:prstGeom prst="rect">
             <a:avLst/>
           </a:prstGeom>
         </p:spPr>
       </p:pic>
+      <p:sp>
+        <p:nvSpPr>
+          <p:cNvPr id="85" name="TextBox 84">
+            <a:extLst>
+              <a:ext uri="{FF2B5EF4-FFF2-40B4-BE49-F238E27FC236}">
+                <a16:creationId xmlns:a16="http://schemas.microsoft.com/office/drawing/2014/main" id="{20705A1A-8224-D34D-855E-4AD05DB672AD}"/>
+              </a:ext>
+            </a:extLst>
+          </p:cNvPr>
+          <p:cNvSpPr txBox="1"/>
+          <p:nvPr/>
+        </p:nvSpPr>
+        <p:spPr>
+          <a:xfrm rot="16200000">
+            <a:off x="-37417" y="534699"/>
+            <a:ext cx="484428" cy="369332"/>
+          </a:xfrm>
+          <a:prstGeom prst="rect">
+            <a:avLst/>
+          </a:prstGeom>
+          <a:noFill/>
+        </p:spPr>
+        <p:txBody>
+          <a:bodyPr wrap="none" rtlCol="0">
+            <a:spAutoFit/>
+          </a:bodyPr>
+          <a:lstStyle/>
+          <a:p>
+            <a:r>
+              <a:rPr lang="de-DE" b="1" dirty="0"/>
+              <a:t>ML</a:t>
+            </a:r>
+          </a:p>
+        </p:txBody>
+      </p:sp>
+      <p:sp>
+        <p:nvSpPr>
+          <p:cNvPr id="86" name="TextBox 85">
+            <a:extLst>
+              <a:ext uri="{FF2B5EF4-FFF2-40B4-BE49-F238E27FC236}">
+                <a16:creationId xmlns:a16="http://schemas.microsoft.com/office/drawing/2014/main" id="{FDAEB3C7-A968-8041-A7DE-500E747F4E35}"/>
+              </a:ext>
+            </a:extLst>
+          </p:cNvPr>
+          <p:cNvSpPr txBox="1"/>
+          <p:nvPr/>
+        </p:nvSpPr>
+        <p:spPr>
+          <a:xfrm rot="16200000">
+            <a:off x="254" y="2035874"/>
+            <a:ext cx="409086" cy="369332"/>
+          </a:xfrm>
+          <a:prstGeom prst="rect">
+            <a:avLst/>
+          </a:prstGeom>
+          <a:noFill/>
+        </p:spPr>
+        <p:txBody>
+          <a:bodyPr wrap="none" rtlCol="0">
+            <a:spAutoFit/>
+          </a:bodyPr>
+          <a:lstStyle/>
+          <a:p>
+            <a:r>
+              <a:rPr lang="de-DE" b="1" dirty="0"/>
+              <a:t>KL</a:t>
+            </a:r>
+          </a:p>
+        </p:txBody>
+      </p:sp>
+      <p:sp>
+        <p:nvSpPr>
+          <p:cNvPr id="87" name="TextBox 86">
+            <a:extLst>
+              <a:ext uri="{FF2B5EF4-FFF2-40B4-BE49-F238E27FC236}">
+                <a16:creationId xmlns:a16="http://schemas.microsoft.com/office/drawing/2014/main" id="{3A9E62B9-25F8-8544-AF01-A54967B78412}"/>
+              </a:ext>
+            </a:extLst>
+          </p:cNvPr>
+          <p:cNvSpPr txBox="1"/>
+          <p:nvPr/>
+        </p:nvSpPr>
+        <p:spPr>
+          <a:xfrm rot="16200000">
+            <a:off x="-182457" y="6059099"/>
+            <a:ext cx="774507" cy="369332"/>
+          </a:xfrm>
+          <a:prstGeom prst="rect">
+            <a:avLst/>
+          </a:prstGeom>
+          <a:noFill/>
+        </p:spPr>
+        <p:txBody>
+          <a:bodyPr wrap="none" rtlCol="0">
+            <a:spAutoFit/>
+          </a:bodyPr>
+          <a:lstStyle/>
+          <a:p>
+            <a:r>
+              <a:rPr lang="de-DE" b="1" dirty="0"/>
+              <a:t>KL+RC</a:t>
+            </a:r>
+          </a:p>
+        </p:txBody>
+      </p:sp>
+      <p:sp>
+        <p:nvSpPr>
+          <p:cNvPr id="90" name="TextBox 89">
+            <a:extLst>
+              <a:ext uri="{FF2B5EF4-FFF2-40B4-BE49-F238E27FC236}">
+                <a16:creationId xmlns:a16="http://schemas.microsoft.com/office/drawing/2014/main" id="{DFD2863C-DA0E-4048-B9A8-09652550BE82}"/>
+              </a:ext>
+            </a:extLst>
+          </p:cNvPr>
+          <p:cNvSpPr txBox="1"/>
+          <p:nvPr/>
+        </p:nvSpPr>
+        <p:spPr>
+          <a:xfrm rot="16200000">
+            <a:off x="-226090" y="4331158"/>
+            <a:ext cx="877163" cy="369332"/>
+          </a:xfrm>
+          <a:prstGeom prst="rect">
+            <a:avLst/>
+          </a:prstGeom>
+          <a:noFill/>
+        </p:spPr>
+        <p:txBody>
+          <a:bodyPr wrap="none" rtlCol="0">
+            <a:spAutoFit/>
+          </a:bodyPr>
+          <a:lstStyle/>
+          <a:p>
+            <a:r>
+              <a:rPr lang="de-DE" b="1" dirty="0"/>
+              <a:t>ML+ KL</a:t>
+            </a:r>
+          </a:p>
+        </p:txBody>
+      </p:sp>
       <p:pic>
         <p:nvPicPr>
-          <p:cNvPr id="48" name="Picture 47">
+          <p:cNvPr id="16" name="Picture 15">
             <a:extLst>
               <a:ext uri="{FF2B5EF4-FFF2-40B4-BE49-F238E27FC236}">
-                <a16:creationId xmlns:a16="http://schemas.microsoft.com/office/drawing/2014/main" id="{C3A6DD90-5E5D-3D46-BE90-7BD899060945}"/>
+                <a16:creationId xmlns:a16="http://schemas.microsoft.com/office/drawing/2014/main" id="{DAEDA8C1-1ADC-8C4F-9B17-4088DF55EC29}"/>
               </a:ext>
             </a:extLst>
           </p:cNvPr>
@@ -3146,702 +3234,21 @@
           <p:nvPr/>
         </p:nvPicPr>
         <p:blipFill>
-          <a:blip r:embed="rId5"/>
+          <a:blip r:embed="rId5">
+            <a:extLst>
+              <a:ext uri="{28A0092B-C50C-407E-A947-70E740481C1C}">
+                <a14:useLocalDpi xmlns:a14="http://schemas.microsoft.com/office/drawing/2010/main" val="0"/>
+              </a:ext>
+            </a:extLst>
+          </a:blip>
           <a:stretch>
             <a:fillRect/>
           </a:stretch>
         </p:blipFill>
         <p:spPr>
           <a:xfrm>
-            <a:off x="356369" y="44526"/>
-            <a:ext cx="3343320" cy="1520316"/>
-          </a:xfrm>
-          <a:prstGeom prst="rect">
-            <a:avLst/>
-          </a:prstGeom>
-        </p:spPr>
-      </p:pic>
-      <p:pic>
-        <p:nvPicPr>
-          <p:cNvPr id="49" name="Picture 48">
-            <a:extLst>
-              <a:ext uri="{FF2B5EF4-FFF2-40B4-BE49-F238E27FC236}">
-                <a16:creationId xmlns:a16="http://schemas.microsoft.com/office/drawing/2014/main" id="{48E6CBA7-69A8-C344-A5ED-AEBB8ECB0ECE}"/>
-              </a:ext>
-            </a:extLst>
-          </p:cNvPr>
-          <p:cNvPicPr>
-            <a:picLocks noChangeAspect="1"/>
-          </p:cNvPicPr>
-          <p:nvPr/>
-        </p:nvPicPr>
-        <p:blipFill>
-          <a:blip r:embed="rId6"/>
-          <a:stretch>
-            <a:fillRect/>
-          </a:stretch>
-        </p:blipFill>
-        <p:spPr>
-          <a:xfrm>
-            <a:off x="324449" y="1564842"/>
-            <a:ext cx="3375240" cy="1562611"/>
-          </a:xfrm>
-          <a:prstGeom prst="rect">
-            <a:avLst/>
-          </a:prstGeom>
-        </p:spPr>
-      </p:pic>
-      <p:pic>
-        <p:nvPicPr>
-          <p:cNvPr id="50" name="Picture 49">
-            <a:extLst>
-              <a:ext uri="{FF2B5EF4-FFF2-40B4-BE49-F238E27FC236}">
-                <a16:creationId xmlns:a16="http://schemas.microsoft.com/office/drawing/2014/main" id="{6882C22E-4A1D-DD44-9B68-26D75E5FEDD8}"/>
-              </a:ext>
-            </a:extLst>
-          </p:cNvPr>
-          <p:cNvPicPr>
-            <a:picLocks noChangeAspect="1"/>
-          </p:cNvPicPr>
-          <p:nvPr/>
-        </p:nvPicPr>
-        <p:blipFill>
-          <a:blip r:embed="rId7"/>
-          <a:stretch>
-            <a:fillRect/>
-          </a:stretch>
-        </p:blipFill>
-        <p:spPr>
-          <a:xfrm>
-            <a:off x="3682756" y="1564842"/>
-            <a:ext cx="2120287" cy="1520316"/>
-          </a:xfrm>
-          <a:prstGeom prst="rect">
-            <a:avLst/>
-          </a:prstGeom>
-        </p:spPr>
-      </p:pic>
-      <p:pic>
-        <p:nvPicPr>
-          <p:cNvPr id="51" name="Picture 50">
-            <a:extLst>
-              <a:ext uri="{FF2B5EF4-FFF2-40B4-BE49-F238E27FC236}">
-                <a16:creationId xmlns:a16="http://schemas.microsoft.com/office/drawing/2014/main" id="{A8B00435-EE4C-7843-B8A7-FE9CC44781D7}"/>
-              </a:ext>
-            </a:extLst>
-          </p:cNvPr>
-          <p:cNvPicPr>
-            <a:picLocks noChangeAspect="1"/>
-          </p:cNvPicPr>
-          <p:nvPr/>
-        </p:nvPicPr>
-        <p:blipFill>
-          <a:blip r:embed="rId8"/>
-          <a:stretch>
-            <a:fillRect/>
-          </a:stretch>
-        </p:blipFill>
-        <p:spPr>
-          <a:xfrm>
-            <a:off x="5790870" y="1564842"/>
-            <a:ext cx="1705751" cy="1562611"/>
-          </a:xfrm>
-          <a:prstGeom prst="rect">
-            <a:avLst/>
-          </a:prstGeom>
-        </p:spPr>
-      </p:pic>
-      <p:sp>
-        <p:nvSpPr>
-          <p:cNvPr id="52" name="TextBox 51">
-            <a:extLst>
-              <a:ext uri="{FF2B5EF4-FFF2-40B4-BE49-F238E27FC236}">
-                <a16:creationId xmlns:a16="http://schemas.microsoft.com/office/drawing/2014/main" id="{2A3EC3CE-CAD4-4A49-94CB-B6AF40398F53}"/>
-              </a:ext>
-            </a:extLst>
-          </p:cNvPr>
-          <p:cNvSpPr txBox="1"/>
-          <p:nvPr/>
-        </p:nvSpPr>
-        <p:spPr>
-          <a:xfrm rot="16200000">
-            <a:off x="-206568" y="3580261"/>
-            <a:ext cx="824265" cy="369332"/>
-          </a:xfrm>
-          <a:prstGeom prst="rect">
-            <a:avLst/>
-          </a:prstGeom>
-          <a:noFill/>
-        </p:spPr>
-        <p:txBody>
-          <a:bodyPr wrap="none" rtlCol="0">
-            <a:spAutoFit/>
-          </a:bodyPr>
-          <a:lstStyle/>
-          <a:p>
-            <a:r>
-              <a:rPr lang="de-DE" b="1" dirty="0"/>
-              <a:t>ML+KL</a:t>
-            </a:r>
-          </a:p>
-        </p:txBody>
-      </p:sp>
-      <p:pic>
-        <p:nvPicPr>
-          <p:cNvPr id="53" name="Picture 52">
-            <a:extLst>
-              <a:ext uri="{FF2B5EF4-FFF2-40B4-BE49-F238E27FC236}">
-                <a16:creationId xmlns:a16="http://schemas.microsoft.com/office/drawing/2014/main" id="{3F66E0D2-F503-8640-B2F1-58491B6BF6CD}"/>
-              </a:ext>
-            </a:extLst>
-          </p:cNvPr>
-          <p:cNvPicPr>
-            <a:picLocks noChangeAspect="1"/>
-          </p:cNvPicPr>
-          <p:nvPr/>
-        </p:nvPicPr>
-        <p:blipFill>
-          <a:blip r:embed="rId9"/>
-          <a:stretch>
-            <a:fillRect/>
-          </a:stretch>
-        </p:blipFill>
-        <p:spPr>
-          <a:xfrm>
-            <a:off x="324449" y="3127453"/>
-            <a:ext cx="3375240" cy="1544955"/>
-          </a:xfrm>
-          <a:prstGeom prst="rect">
-            <a:avLst/>
-          </a:prstGeom>
-        </p:spPr>
-      </p:pic>
-      <p:pic>
-        <p:nvPicPr>
-          <p:cNvPr id="54" name="Picture 53">
-            <a:extLst>
-              <a:ext uri="{FF2B5EF4-FFF2-40B4-BE49-F238E27FC236}">
-                <a16:creationId xmlns:a16="http://schemas.microsoft.com/office/drawing/2014/main" id="{284B9ACA-EAB1-4747-BF1B-72966DD38492}"/>
-              </a:ext>
-            </a:extLst>
-          </p:cNvPr>
-          <p:cNvPicPr>
-            <a:picLocks noChangeAspect="1"/>
-          </p:cNvPicPr>
-          <p:nvPr/>
-        </p:nvPicPr>
-        <p:blipFill>
-          <a:blip r:embed="rId10"/>
-          <a:stretch>
-            <a:fillRect/>
-          </a:stretch>
-        </p:blipFill>
-        <p:spPr>
-          <a:xfrm>
-            <a:off x="3724711" y="3131473"/>
-            <a:ext cx="2115507" cy="1526895"/>
-          </a:xfrm>
-          <a:prstGeom prst="rect">
-            <a:avLst/>
-          </a:prstGeom>
-        </p:spPr>
-      </p:pic>
-      <p:pic>
-        <p:nvPicPr>
-          <p:cNvPr id="55" name="Picture 54">
-            <a:extLst>
-              <a:ext uri="{FF2B5EF4-FFF2-40B4-BE49-F238E27FC236}">
-                <a16:creationId xmlns:a16="http://schemas.microsoft.com/office/drawing/2014/main" id="{55F1AD57-C00B-EA45-9A90-4E11C8DDB02C}"/>
-              </a:ext>
-            </a:extLst>
-          </p:cNvPr>
-          <p:cNvPicPr>
-            <a:picLocks noChangeAspect="1"/>
-          </p:cNvPicPr>
-          <p:nvPr/>
-        </p:nvPicPr>
-        <p:blipFill>
-          <a:blip r:embed="rId11"/>
-          <a:stretch>
-            <a:fillRect/>
-          </a:stretch>
-        </p:blipFill>
-        <p:spPr>
-          <a:xfrm>
-            <a:off x="5823286" y="3129334"/>
-            <a:ext cx="1652886" cy="1496296"/>
-          </a:xfrm>
-          <a:prstGeom prst="rect">
-            <a:avLst/>
-          </a:prstGeom>
-        </p:spPr>
-      </p:pic>
-      <p:sp>
-        <p:nvSpPr>
-          <p:cNvPr id="56" name="TextBox 55">
-            <a:extLst>
-              <a:ext uri="{FF2B5EF4-FFF2-40B4-BE49-F238E27FC236}">
-                <a16:creationId xmlns:a16="http://schemas.microsoft.com/office/drawing/2014/main" id="{8CE61507-8539-DE4B-9154-17B5E4561D73}"/>
-              </a:ext>
-            </a:extLst>
-          </p:cNvPr>
-          <p:cNvSpPr txBox="1"/>
-          <p:nvPr/>
-        </p:nvSpPr>
-        <p:spPr>
-          <a:xfrm rot="16200000">
-            <a:off x="-248534" y="5051167"/>
-            <a:ext cx="922047" cy="369332"/>
-          </a:xfrm>
-          <a:prstGeom prst="rect">
-            <a:avLst/>
-          </a:prstGeom>
-          <a:noFill/>
-        </p:spPr>
-        <p:txBody>
-          <a:bodyPr wrap="none" rtlCol="0">
-            <a:spAutoFit/>
-          </a:bodyPr>
-          <a:lstStyle/>
-          <a:p>
-            <a:r>
-              <a:rPr lang="de-DE" b="1" dirty="0" err="1"/>
-              <a:t>KL+Expl</a:t>
-            </a:r>
-            <a:endParaRPr lang="de-DE" b="1" dirty="0"/>
-          </a:p>
-        </p:txBody>
-      </p:sp>
-      <p:pic>
-        <p:nvPicPr>
-          <p:cNvPr id="57" name="Picture 56">
-            <a:extLst>
-              <a:ext uri="{FF2B5EF4-FFF2-40B4-BE49-F238E27FC236}">
-                <a16:creationId xmlns:a16="http://schemas.microsoft.com/office/drawing/2014/main" id="{AD360A9D-E846-9849-8D09-EFADBB4E78F4}"/>
-              </a:ext>
-            </a:extLst>
-          </p:cNvPr>
-          <p:cNvPicPr>
-            <a:picLocks noChangeAspect="1"/>
-          </p:cNvPicPr>
-          <p:nvPr/>
-        </p:nvPicPr>
-        <p:blipFill>
-          <a:blip r:embed="rId12"/>
-          <a:stretch>
-            <a:fillRect/>
-          </a:stretch>
-        </p:blipFill>
-        <p:spPr>
-          <a:xfrm>
-            <a:off x="307516" y="4663442"/>
-            <a:ext cx="3409158" cy="1568631"/>
-          </a:xfrm>
-          <a:prstGeom prst="rect">
-            <a:avLst/>
-          </a:prstGeom>
-        </p:spPr>
-      </p:pic>
-      <p:pic>
-        <p:nvPicPr>
-          <p:cNvPr id="58" name="Picture 57">
-            <a:extLst>
-              <a:ext uri="{FF2B5EF4-FFF2-40B4-BE49-F238E27FC236}">
-                <a16:creationId xmlns:a16="http://schemas.microsoft.com/office/drawing/2014/main" id="{C73BBB55-EEFB-B246-ADFB-E3AF18BA322E}"/>
-              </a:ext>
-            </a:extLst>
-          </p:cNvPr>
-          <p:cNvPicPr>
-            <a:picLocks noChangeAspect="1"/>
-          </p:cNvPicPr>
-          <p:nvPr/>
-        </p:nvPicPr>
-        <p:blipFill>
-          <a:blip r:embed="rId13"/>
-          <a:stretch>
-            <a:fillRect/>
-          </a:stretch>
-        </p:blipFill>
-        <p:spPr>
-          <a:xfrm>
-            <a:off x="3716622" y="4681523"/>
-            <a:ext cx="2085265" cy="1503464"/>
-          </a:xfrm>
-          <a:prstGeom prst="rect">
-            <a:avLst/>
-          </a:prstGeom>
-        </p:spPr>
-      </p:pic>
-      <p:pic>
-        <p:nvPicPr>
-          <p:cNvPr id="59" name="Picture 58">
-            <a:extLst>
-              <a:ext uri="{FF2B5EF4-FFF2-40B4-BE49-F238E27FC236}">
-                <a16:creationId xmlns:a16="http://schemas.microsoft.com/office/drawing/2014/main" id="{A0867AE3-7500-F343-A8F0-8A0E017D754D}"/>
-              </a:ext>
-            </a:extLst>
-          </p:cNvPr>
-          <p:cNvPicPr>
-            <a:picLocks noChangeAspect="1"/>
-          </p:cNvPicPr>
-          <p:nvPr/>
-        </p:nvPicPr>
-        <p:blipFill>
-          <a:blip r:embed="rId14"/>
-          <a:stretch>
-            <a:fillRect/>
-          </a:stretch>
-        </p:blipFill>
-        <p:spPr>
-          <a:xfrm>
-            <a:off x="5823286" y="4667482"/>
-            <a:ext cx="1635953" cy="1503465"/>
-          </a:xfrm>
-          <a:prstGeom prst="rect">
-            <a:avLst/>
-          </a:prstGeom>
-        </p:spPr>
-      </p:pic>
-      <p:pic>
-        <p:nvPicPr>
-          <p:cNvPr id="60" name="Picture 59">
-            <a:extLst>
-              <a:ext uri="{FF2B5EF4-FFF2-40B4-BE49-F238E27FC236}">
-                <a16:creationId xmlns:a16="http://schemas.microsoft.com/office/drawing/2014/main" id="{8074D812-4A23-6A48-A632-77524533157F}"/>
-              </a:ext>
-            </a:extLst>
-          </p:cNvPr>
-          <p:cNvPicPr>
-            <a:picLocks noChangeAspect="1"/>
-          </p:cNvPicPr>
-          <p:nvPr/>
-        </p:nvPicPr>
-        <p:blipFill>
-          <a:blip r:embed="rId15"/>
-          <a:stretch>
-            <a:fillRect/>
-          </a:stretch>
-        </p:blipFill>
-        <p:spPr>
-          <a:xfrm>
-            <a:off x="274572" y="6230671"/>
-            <a:ext cx="3442050" cy="1556283"/>
-          </a:xfrm>
-          <a:prstGeom prst="rect">
-            <a:avLst/>
-          </a:prstGeom>
-        </p:spPr>
-      </p:pic>
-      <p:pic>
-        <p:nvPicPr>
-          <p:cNvPr id="61" name="Picture 60">
-            <a:extLst>
-              <a:ext uri="{FF2B5EF4-FFF2-40B4-BE49-F238E27FC236}">
-                <a16:creationId xmlns:a16="http://schemas.microsoft.com/office/drawing/2014/main" id="{4EA502AD-DB24-5540-B533-4E8699A73A21}"/>
-              </a:ext>
-            </a:extLst>
-          </p:cNvPr>
-          <p:cNvPicPr>
-            <a:picLocks noChangeAspect="1"/>
-          </p:cNvPicPr>
-          <p:nvPr/>
-        </p:nvPicPr>
-        <p:blipFill>
-          <a:blip r:embed="rId16"/>
-          <a:stretch>
-            <a:fillRect/>
-          </a:stretch>
-        </p:blipFill>
-        <p:spPr>
-          <a:xfrm>
-            <a:off x="3682756" y="6225596"/>
-            <a:ext cx="2163624" cy="1553067"/>
-          </a:xfrm>
-          <a:prstGeom prst="rect">
-            <a:avLst/>
-          </a:prstGeom>
-        </p:spPr>
-      </p:pic>
-      <p:pic>
-        <p:nvPicPr>
-          <p:cNvPr id="62" name="Picture 61">
-            <a:extLst>
-              <a:ext uri="{FF2B5EF4-FFF2-40B4-BE49-F238E27FC236}">
-                <a16:creationId xmlns:a16="http://schemas.microsoft.com/office/drawing/2014/main" id="{90B158A3-1A48-BB40-AF73-FF68850D2F5E}"/>
-              </a:ext>
-            </a:extLst>
-          </p:cNvPr>
-          <p:cNvPicPr>
-            <a:picLocks noChangeAspect="1"/>
-          </p:cNvPicPr>
-          <p:nvPr/>
-        </p:nvPicPr>
-        <p:blipFill>
-          <a:blip r:embed="rId17"/>
-          <a:stretch>
-            <a:fillRect/>
-          </a:stretch>
-        </p:blipFill>
-        <p:spPr>
-          <a:xfrm>
-            <a:off x="5823286" y="6239814"/>
-            <a:ext cx="1701260" cy="1547139"/>
-          </a:xfrm>
-          <a:prstGeom prst="rect">
-            <a:avLst/>
-          </a:prstGeom>
-        </p:spPr>
-      </p:pic>
-      <p:sp>
-        <p:nvSpPr>
-          <p:cNvPr id="63" name="TextBox 62">
-            <a:extLst>
-              <a:ext uri="{FF2B5EF4-FFF2-40B4-BE49-F238E27FC236}">
-                <a16:creationId xmlns:a16="http://schemas.microsoft.com/office/drawing/2014/main" id="{98EF5973-2BB7-974F-96E4-9BB7A9BF9CBD}"/>
-              </a:ext>
-            </a:extLst>
-          </p:cNvPr>
-          <p:cNvSpPr txBox="1"/>
-          <p:nvPr/>
-        </p:nvSpPr>
-        <p:spPr>
-          <a:xfrm rot="16200000">
-            <a:off x="-469746" y="6718899"/>
-            <a:ext cx="1364476" cy="369332"/>
-          </a:xfrm>
-          <a:prstGeom prst="rect">
-            <a:avLst/>
-          </a:prstGeom>
-          <a:noFill/>
-        </p:spPr>
-        <p:txBody>
-          <a:bodyPr wrap="none" rtlCol="0">
-            <a:spAutoFit/>
-          </a:bodyPr>
-          <a:lstStyle/>
-          <a:p>
-            <a:r>
-              <a:rPr lang="de-DE" b="1" dirty="0"/>
-              <a:t>KL+W2+Expl</a:t>
-            </a:r>
-          </a:p>
-        </p:txBody>
-      </p:sp>
-      <p:pic>
-        <p:nvPicPr>
-          <p:cNvPr id="64" name="Picture 63">
-            <a:extLst>
-              <a:ext uri="{FF2B5EF4-FFF2-40B4-BE49-F238E27FC236}">
-                <a16:creationId xmlns:a16="http://schemas.microsoft.com/office/drawing/2014/main" id="{2370100F-CAC4-9A4E-84E4-FF5CDF6D8570}"/>
-              </a:ext>
-            </a:extLst>
-          </p:cNvPr>
-          <p:cNvPicPr>
-            <a:picLocks noChangeAspect="1"/>
-          </p:cNvPicPr>
-          <p:nvPr/>
-        </p:nvPicPr>
-        <p:blipFill>
-          <a:blip r:embed="rId18"/>
-          <a:stretch>
-            <a:fillRect/>
-          </a:stretch>
-        </p:blipFill>
-        <p:spPr>
-          <a:xfrm>
-            <a:off x="212489" y="7836727"/>
-            <a:ext cx="3512222" cy="1615057"/>
-          </a:xfrm>
-          <a:prstGeom prst="rect">
-            <a:avLst/>
-          </a:prstGeom>
-        </p:spPr>
-      </p:pic>
-      <p:sp>
-        <p:nvSpPr>
-          <p:cNvPr id="65" name="TextBox 64">
-            <a:extLst>
-              <a:ext uri="{FF2B5EF4-FFF2-40B4-BE49-F238E27FC236}">
-                <a16:creationId xmlns:a16="http://schemas.microsoft.com/office/drawing/2014/main" id="{924D9A9F-44A9-744D-8000-4FE7D1DB2A50}"/>
-              </a:ext>
-            </a:extLst>
-          </p:cNvPr>
-          <p:cNvSpPr txBox="1"/>
-          <p:nvPr/>
-        </p:nvSpPr>
-        <p:spPr>
-          <a:xfrm rot="16200000">
-            <a:off x="-456123" y="8265634"/>
-            <a:ext cx="1337226" cy="369332"/>
-          </a:xfrm>
-          <a:prstGeom prst="rect">
-            <a:avLst/>
-          </a:prstGeom>
-          <a:noFill/>
-        </p:spPr>
-        <p:txBody>
-          <a:bodyPr wrap="none" rtlCol="0">
-            <a:spAutoFit/>
-          </a:bodyPr>
-          <a:lstStyle/>
-          <a:p>
-            <a:r>
-              <a:rPr lang="de-DE" b="1" dirty="0" err="1"/>
-              <a:t>ML+KL+Expl</a:t>
-            </a:r>
-            <a:endParaRPr lang="de-DE" b="1" dirty="0"/>
-          </a:p>
-        </p:txBody>
-      </p:sp>
-      <p:pic>
-        <p:nvPicPr>
-          <p:cNvPr id="66" name="Picture 65">
-            <a:extLst>
-              <a:ext uri="{FF2B5EF4-FFF2-40B4-BE49-F238E27FC236}">
-                <a16:creationId xmlns:a16="http://schemas.microsoft.com/office/drawing/2014/main" id="{76EEF81D-3357-3847-90F6-71D3E9B38C45}"/>
-              </a:ext>
-            </a:extLst>
-          </p:cNvPr>
-          <p:cNvPicPr>
-            <a:picLocks noChangeAspect="1"/>
-          </p:cNvPicPr>
-          <p:nvPr/>
-        </p:nvPicPr>
-        <p:blipFill>
-          <a:blip r:embed="rId19"/>
-          <a:stretch>
-            <a:fillRect/>
-          </a:stretch>
-        </p:blipFill>
-        <p:spPr>
-          <a:xfrm>
-            <a:off x="5362928" y="7865335"/>
-            <a:ext cx="2156030" cy="1535802"/>
-          </a:xfrm>
-          <a:prstGeom prst="rect">
-            <a:avLst/>
-          </a:prstGeom>
-        </p:spPr>
-      </p:pic>
-      <p:pic>
-        <p:nvPicPr>
-          <p:cNvPr id="67" name="Picture 66">
-            <a:extLst>
-              <a:ext uri="{FF2B5EF4-FFF2-40B4-BE49-F238E27FC236}">
-                <a16:creationId xmlns:a16="http://schemas.microsoft.com/office/drawing/2014/main" id="{0236C3BD-2F31-C54C-92BF-F3EFB4C30A50}"/>
-              </a:ext>
-            </a:extLst>
-          </p:cNvPr>
-          <p:cNvPicPr>
-            <a:picLocks noChangeAspect="1"/>
-          </p:cNvPicPr>
-          <p:nvPr/>
-        </p:nvPicPr>
-        <p:blipFill>
-          <a:blip r:embed="rId20"/>
-          <a:stretch>
-            <a:fillRect/>
-          </a:stretch>
-        </p:blipFill>
-        <p:spPr>
-          <a:xfrm>
-            <a:off x="4095581" y="7881681"/>
-            <a:ext cx="1695289" cy="1535802"/>
-          </a:xfrm>
-          <a:prstGeom prst="rect">
-            <a:avLst/>
-          </a:prstGeom>
-        </p:spPr>
-      </p:pic>
-      <p:sp>
-        <p:nvSpPr>
-          <p:cNvPr id="69" name="TextBox 68">
-            <a:extLst>
-              <a:ext uri="{FF2B5EF4-FFF2-40B4-BE49-F238E27FC236}">
-                <a16:creationId xmlns:a16="http://schemas.microsoft.com/office/drawing/2014/main" id="{181065EE-705A-9841-A2D6-197BDA4D4B30}"/>
-              </a:ext>
-            </a:extLst>
-          </p:cNvPr>
-          <p:cNvSpPr txBox="1"/>
-          <p:nvPr/>
-        </p:nvSpPr>
-        <p:spPr>
-          <a:xfrm rot="16200000">
-            <a:off x="-174763" y="9965115"/>
-            <a:ext cx="774507" cy="369332"/>
-          </a:xfrm>
-          <a:prstGeom prst="rect">
-            <a:avLst/>
-          </a:prstGeom>
-          <a:noFill/>
-        </p:spPr>
-        <p:txBody>
-          <a:bodyPr wrap="none" rtlCol="0">
-            <a:spAutoFit/>
-          </a:bodyPr>
-          <a:lstStyle/>
-          <a:p>
-            <a:r>
-              <a:rPr lang="de-DE" b="1" dirty="0"/>
-              <a:t>KL+RC</a:t>
-            </a:r>
-          </a:p>
-        </p:txBody>
-      </p:sp>
-      <p:pic>
-        <p:nvPicPr>
-          <p:cNvPr id="74" name="Picture 73">
-            <a:extLst>
-              <a:ext uri="{FF2B5EF4-FFF2-40B4-BE49-F238E27FC236}">
-                <a16:creationId xmlns:a16="http://schemas.microsoft.com/office/drawing/2014/main" id="{E64EEEA1-41E4-DF44-9A65-6AAE972BF653}"/>
-              </a:ext>
-            </a:extLst>
-          </p:cNvPr>
-          <p:cNvPicPr>
-            <a:picLocks noChangeAspect="1"/>
-          </p:cNvPicPr>
-          <p:nvPr/>
-        </p:nvPicPr>
-        <p:blipFill>
-          <a:blip r:embed="rId21"/>
-          <a:stretch>
-            <a:fillRect/>
-          </a:stretch>
-        </p:blipFill>
-        <p:spPr>
-          <a:xfrm>
-            <a:off x="5823286" y="9545971"/>
-            <a:ext cx="1695672" cy="1564317"/>
-          </a:xfrm>
-          <a:prstGeom prst="rect">
-            <a:avLst/>
-          </a:prstGeom>
-        </p:spPr>
-      </p:pic>
-      <p:pic>
-        <p:nvPicPr>
-          <p:cNvPr id="75" name="Picture 74">
-            <a:extLst>
-              <a:ext uri="{FF2B5EF4-FFF2-40B4-BE49-F238E27FC236}">
-                <a16:creationId xmlns:a16="http://schemas.microsoft.com/office/drawing/2014/main" id="{CE50A1AD-78DA-484E-8DE5-C9851CB75041}"/>
-              </a:ext>
-            </a:extLst>
-          </p:cNvPr>
-          <p:cNvPicPr>
-            <a:picLocks noChangeAspect="1"/>
-          </p:cNvPicPr>
-          <p:nvPr/>
-        </p:nvPicPr>
-        <p:blipFill>
-          <a:blip r:embed="rId22"/>
-          <a:stretch>
-            <a:fillRect/>
-          </a:stretch>
-        </p:blipFill>
-        <p:spPr>
-          <a:xfrm>
-            <a:off x="3621354" y="9545971"/>
-            <a:ext cx="2173327" cy="1576259"/>
+            <a:off x="397158" y="31533"/>
+            <a:ext cx="7162517" cy="1917584"/>
           </a:xfrm>
           <a:prstGeom prst="rect">
             <a:avLst/>

--- a/figs/SFig_Training_RealNVP.pptx
+++ b/figs/SFig_Training_RealNVP.pptx
@@ -243,7 +243,7 @@
           <a:p>
             <a:fld id="{5771F580-0499-3B4B-87CF-4B8A4B8895CC}" type="datetimeFigureOut">
               <a:rPr lang="de-DE" smtClean="0"/>
-              <a:t>13.11.18</a:t>
+              <a:t>15.11.18</a:t>
             </a:fld>
             <a:endParaRPr lang="de-DE"/>
           </a:p>
@@ -413,7 +413,7 @@
           <a:p>
             <a:fld id="{5771F580-0499-3B4B-87CF-4B8A4B8895CC}" type="datetimeFigureOut">
               <a:rPr lang="de-DE" smtClean="0"/>
-              <a:t>13.11.18</a:t>
+              <a:t>15.11.18</a:t>
             </a:fld>
             <a:endParaRPr lang="de-DE"/>
           </a:p>
@@ -593,7 +593,7 @@
           <a:p>
             <a:fld id="{5771F580-0499-3B4B-87CF-4B8A4B8895CC}" type="datetimeFigureOut">
               <a:rPr lang="de-DE" smtClean="0"/>
-              <a:t>13.11.18</a:t>
+              <a:t>15.11.18</a:t>
             </a:fld>
             <a:endParaRPr lang="de-DE"/>
           </a:p>
@@ -763,7 +763,7 @@
           <a:p>
             <a:fld id="{5771F580-0499-3B4B-87CF-4B8A4B8895CC}" type="datetimeFigureOut">
               <a:rPr lang="de-DE" smtClean="0"/>
-              <a:t>13.11.18</a:t>
+              <a:t>15.11.18</a:t>
             </a:fld>
             <a:endParaRPr lang="de-DE"/>
           </a:p>
@@ -1007,7 +1007,7 @@
           <a:p>
             <a:fld id="{5771F580-0499-3B4B-87CF-4B8A4B8895CC}" type="datetimeFigureOut">
               <a:rPr lang="de-DE" smtClean="0"/>
-              <a:t>13.11.18</a:t>
+              <a:t>15.11.18</a:t>
             </a:fld>
             <a:endParaRPr lang="de-DE"/>
           </a:p>
@@ -1239,7 +1239,7 @@
           <a:p>
             <a:fld id="{5771F580-0499-3B4B-87CF-4B8A4B8895CC}" type="datetimeFigureOut">
               <a:rPr lang="de-DE" smtClean="0"/>
-              <a:t>13.11.18</a:t>
+              <a:t>15.11.18</a:t>
             </a:fld>
             <a:endParaRPr lang="de-DE"/>
           </a:p>
@@ -1606,7 +1606,7 @@
           <a:p>
             <a:fld id="{5771F580-0499-3B4B-87CF-4B8A4B8895CC}" type="datetimeFigureOut">
               <a:rPr lang="de-DE" smtClean="0"/>
-              <a:t>13.11.18</a:t>
+              <a:t>15.11.18</a:t>
             </a:fld>
             <a:endParaRPr lang="de-DE"/>
           </a:p>
@@ -1724,7 +1724,7 @@
           <a:p>
             <a:fld id="{5771F580-0499-3B4B-87CF-4B8A4B8895CC}" type="datetimeFigureOut">
               <a:rPr lang="de-DE" smtClean="0"/>
-              <a:t>13.11.18</a:t>
+              <a:t>15.11.18</a:t>
             </a:fld>
             <a:endParaRPr lang="de-DE"/>
           </a:p>
@@ -1819,7 +1819,7 @@
           <a:p>
             <a:fld id="{5771F580-0499-3B4B-87CF-4B8A4B8895CC}" type="datetimeFigureOut">
               <a:rPr lang="de-DE" smtClean="0"/>
-              <a:t>13.11.18</a:t>
+              <a:t>15.11.18</a:t>
             </a:fld>
             <a:endParaRPr lang="de-DE"/>
           </a:p>
@@ -2096,7 +2096,7 @@
           <a:p>
             <a:fld id="{5771F580-0499-3B4B-87CF-4B8A4B8895CC}" type="datetimeFigureOut">
               <a:rPr lang="de-DE" smtClean="0"/>
-              <a:t>13.11.18</a:t>
+              <a:t>15.11.18</a:t>
             </a:fld>
             <a:endParaRPr lang="de-DE"/>
           </a:p>
@@ -2353,7 +2353,7 @@
           <a:p>
             <a:fld id="{5771F580-0499-3B4B-87CF-4B8A4B8895CC}" type="datetimeFigureOut">
               <a:rPr lang="de-DE" smtClean="0"/>
-              <a:t>13.11.18</a:t>
+              <a:t>15.11.18</a:t>
             </a:fld>
             <a:endParaRPr lang="de-DE"/>
           </a:p>
@@ -2566,7 +2566,7 @@
           <a:p>
             <a:fld id="{5771F580-0499-3B4B-87CF-4B8A4B8895CC}" type="datetimeFigureOut">
               <a:rPr lang="de-DE" smtClean="0"/>
-              <a:t>13.11.18</a:t>
+              <a:t>15.11.18</a:t>
             </a:fld>
             <a:endParaRPr lang="de-DE"/>
           </a:p>
@@ -2973,10 +2973,10 @@
       </p:grpSpPr>
       <p:pic>
         <p:nvPicPr>
-          <p:cNvPr id="9" name="Picture 8">
+          <p:cNvPr id="12" name="Picture 11">
             <a:extLst>
               <a:ext uri="{FF2B5EF4-FFF2-40B4-BE49-F238E27FC236}">
-                <a16:creationId xmlns:a16="http://schemas.microsoft.com/office/drawing/2014/main" id="{D699B3CD-0237-8D40-AB12-58A5483B93F0}"/>
+                <a16:creationId xmlns:a16="http://schemas.microsoft.com/office/drawing/2014/main" id="{41AC7A6D-1589-6A49-8420-257429F685DB}"/>
               </a:ext>
             </a:extLst>
           </p:cNvPr>
@@ -2999,8 +2999,8 @@
         </p:blipFill>
         <p:spPr>
           <a:xfrm>
-            <a:off x="397158" y="5617429"/>
-            <a:ext cx="7162517" cy="1917584"/>
+            <a:off x="389463" y="5646899"/>
+            <a:ext cx="7170212" cy="1919644"/>
           </a:xfrm>
           <a:prstGeom prst="rect">
             <a:avLst/>
